--- a/pp_slides_for_part_1/Exploring the Yelp Dataset.pptx
+++ b/pp_slides_for_part_1/Exploring the Yelp Dataset.pptx
@@ -3316,7 +3316,7 @@
     <p:bg>
       <p:bgPr>
         <a:solidFill>
-          <a:schemeClr val="bg1"/>
+          <a:srgbClr val="404040"/>
         </a:solidFill>
         <a:effectLst/>
       </p:bgPr>
@@ -4052,6 +4052,14 @@
 <file path=ppt/slides/slide2.xml><?xml version="1.0" encoding="utf-8"?>
 <p:sld xmlns:a="http://schemas.openxmlformats.org/drawingml/2006/main" xmlns:r="http://schemas.openxmlformats.org/officeDocument/2006/relationships" xmlns:p="http://schemas.openxmlformats.org/presentationml/2006/main">
   <p:cSld>
+    <p:bg>
+      <p:bgPr>
+        <a:solidFill>
+          <a:srgbClr val="404040"/>
+        </a:solidFill>
+        <a:effectLst/>
+      </p:bgPr>
+    </p:bg>
     <p:spTree>
       <p:nvGrpSpPr>
         <p:cNvPr id="1" name=""/>
@@ -4088,61 +4096,16 @@
           <a:lstStyle/>
           <a:p>
             <a:r>
-              <a:rPr lang="en-US" b="1" dirty="0"/>
+              <a:rPr lang="en-US" b="1" dirty="0">
+                <a:solidFill>
+                  <a:schemeClr val="bg1"/>
+                </a:solidFill>
+              </a:rPr>
               <a:t>What we have:</a:t>
             </a:r>
           </a:p>
         </p:txBody>
       </p:sp>
-      <p:pic>
-        <p:nvPicPr>
-          <p:cNvPr id="2050" name="Picture 2" descr="Image result for yelp">
-            <a:extLst>
-              <a:ext uri="{FF2B5EF4-FFF2-40B4-BE49-F238E27FC236}">
-                <a16:creationId xmlns:a16="http://schemas.microsoft.com/office/drawing/2014/main" id="{730FE24C-A829-4A29-9BCB-6C444A235633}"/>
-              </a:ext>
-            </a:extLst>
-          </p:cNvPr>
-          <p:cNvPicPr>
-            <a:picLocks noGrp="1" noChangeAspect="1" noChangeArrowheads="1"/>
-          </p:cNvPicPr>
-          <p:nvPr>
-            <p:ph idx="1"/>
-          </p:nvPr>
-        </p:nvPicPr>
-        <p:blipFill>
-          <a:blip r:embed="rId2">
-            <a:extLst>
-              <a:ext uri="{28A0092B-C50C-407E-A947-70E740481C1C}">
-                <a14:useLocalDpi xmlns:a14="http://schemas.microsoft.com/office/drawing/2010/main" val="0"/>
-              </a:ext>
-            </a:extLst>
-          </a:blip>
-          <a:srcRect/>
-          <a:stretch>
-            <a:fillRect/>
-          </a:stretch>
-        </p:blipFill>
-        <p:spPr bwMode="auto">
-          <a:xfrm>
-            <a:off x="9981999" y="75406"/>
-            <a:ext cx="1905000" cy="1905000"/>
-          </a:xfrm>
-          <a:prstGeom prst="rect">
-            <a:avLst/>
-          </a:prstGeom>
-          <a:noFill/>
-          <a:extLst>
-            <a:ext uri="{909E8E84-426E-40DD-AFC4-6F175D3DCCD1}">
-              <a14:hiddenFill xmlns:a14="http://schemas.microsoft.com/office/drawing/2010/main">
-                <a:solidFill>
-                  <a:srgbClr val="FFFFFF"/>
-                </a:solidFill>
-              </a14:hiddenFill>
-            </a:ext>
-          </a:extLst>
-        </p:spPr>
-      </p:pic>
       <p:sp>
         <p:nvSpPr>
           <p:cNvPr id="5" name="TextBox 4">
@@ -4176,7 +4139,11 @@
               <a:buChar char="•"/>
             </a:pPr>
             <a:r>
-              <a:rPr lang="en-US" sz="2800" dirty="0"/>
+              <a:rPr lang="en-US" sz="2800" dirty="0">
+                <a:solidFill>
+                  <a:schemeClr val="bg1"/>
+                </a:solidFill>
+              </a:rPr>
               <a:t>8.69 gigabytes of Business, User, and Review data</a:t>
             </a:r>
           </a:p>
@@ -4186,7 +4153,11 @@
               <a:buChar char="•"/>
             </a:pPr>
             <a:r>
-              <a:rPr lang="en-US" sz="2800" dirty="0"/>
+              <a:rPr lang="en-US" sz="2800" dirty="0">
+                <a:solidFill>
+                  <a:schemeClr val="bg1"/>
+                </a:solidFill>
+              </a:rPr>
               <a:t>Another 7.67 gigabytes of Business and Customer photos</a:t>
             </a:r>
           </a:p>
@@ -4196,7 +4167,11 @@
               <a:buChar char="•"/>
             </a:pPr>
             <a:r>
-              <a:rPr lang="en-US" sz="2800" dirty="0"/>
+              <a:rPr lang="en-US" sz="2800" dirty="0">
+                <a:solidFill>
+                  <a:schemeClr val="bg1"/>
+                </a:solidFill>
+              </a:rPr>
               <a:t>Data currently stored as json and csv format</a:t>
             </a:r>
           </a:p>
@@ -4206,7 +4181,11 @@
               <a:buChar char="•"/>
             </a:pPr>
             <a:r>
-              <a:rPr lang="en-US" sz="2800" dirty="0"/>
+              <a:rPr lang="en-US" sz="2800" dirty="0">
+                <a:solidFill>
+                  <a:schemeClr val="bg1"/>
+                </a:solidFill>
+              </a:rPr>
               <a:t>A potential chance to win $5,000 cash prize from yelp!</a:t>
             </a:r>
           </a:p>
@@ -4241,7 +4220,11 @@
           <a:lstStyle/>
           <a:p>
             <a:r>
-              <a:rPr lang="en-US" sz="4400" dirty="0"/>
+              <a:rPr lang="en-US" sz="4400" dirty="0">
+                <a:solidFill>
+                  <a:schemeClr val="bg1"/>
+                </a:solidFill>
+              </a:rPr>
               <a:t>Tools we intend to use:</a:t>
             </a:r>
           </a:p>
@@ -4280,15 +4263,27 @@
               <a:buChar char="•"/>
             </a:pPr>
             <a:r>
-              <a:rPr lang="en-US" sz="2800" dirty="0"/>
+              <a:rPr lang="en-US" sz="2800" dirty="0">
+                <a:solidFill>
+                  <a:schemeClr val="bg1"/>
+                </a:solidFill>
+              </a:rPr>
               <a:t>Python – pandas and </a:t>
             </a:r>
             <a:r>
-              <a:rPr lang="en-US" sz="2800" dirty="0" err="1"/>
+              <a:rPr lang="en-US" sz="2800" dirty="0" err="1">
+                <a:solidFill>
+                  <a:schemeClr val="bg1"/>
+                </a:solidFill>
+              </a:rPr>
               <a:t>numpy</a:t>
             </a:r>
             <a:r>
-              <a:rPr lang="en-US" sz="2800" dirty="0"/>
+              <a:rPr lang="en-US" sz="2800" dirty="0">
+                <a:solidFill>
+                  <a:schemeClr val="bg1"/>
+                </a:solidFill>
+              </a:rPr>
               <a:t> libraries</a:t>
             </a:r>
           </a:p>
@@ -4298,11 +4293,19 @@
               <a:buChar char="•"/>
             </a:pPr>
             <a:r>
-              <a:rPr lang="en-US" sz="2800" dirty="0" err="1"/>
+              <a:rPr lang="en-US" sz="2800" dirty="0" err="1">
+                <a:solidFill>
+                  <a:schemeClr val="bg1"/>
+                </a:solidFill>
+              </a:rPr>
               <a:t>Github</a:t>
             </a:r>
             <a:r>
-              <a:rPr lang="en-US" sz="2800" dirty="0"/>
+              <a:rPr lang="en-US" sz="2800" dirty="0">
+                <a:solidFill>
+                  <a:schemeClr val="bg1"/>
+                </a:solidFill>
+              </a:rPr>
               <a:t> – documentation, and version control</a:t>
             </a:r>
           </a:p>
@@ -4312,13 +4315,21 @@
               <a:buChar char="•"/>
             </a:pPr>
             <a:r>
-              <a:rPr lang="en-US" sz="2800" dirty="0"/>
+              <a:rPr lang="en-US" sz="2800" dirty="0">
+                <a:solidFill>
+                  <a:schemeClr val="bg1"/>
+                </a:solidFill>
+              </a:rPr>
               <a:t>SQL – data is organized in a format compatible with SQL relational </a:t>
             </a:r>
           </a:p>
           <a:p>
             <a:r>
-              <a:rPr lang="en-US" sz="2800" dirty="0"/>
+              <a:rPr lang="en-US" sz="2800" dirty="0">
+                <a:solidFill>
+                  <a:schemeClr val="bg1"/>
+                </a:solidFill>
+              </a:rPr>
               <a:t>   databases. If performance requires, SQL may be used</a:t>
             </a:r>
           </a:p>
@@ -4328,12 +4339,52 @@
               <a:buChar char="•"/>
             </a:pPr>
             <a:r>
-              <a:rPr lang="en-US" sz="2800" dirty="0"/>
+              <a:rPr lang="en-US" sz="2800" dirty="0">
+                <a:solidFill>
+                  <a:schemeClr val="bg1"/>
+                </a:solidFill>
+              </a:rPr>
               <a:t>Tableau – if needed during data presentation and visualization</a:t>
             </a:r>
           </a:p>
         </p:txBody>
       </p:sp>
+      <p:pic>
+        <p:nvPicPr>
+          <p:cNvPr id="12" name="Picture 11">
+            <a:extLst>
+              <a:ext uri="{FF2B5EF4-FFF2-40B4-BE49-F238E27FC236}">
+                <a16:creationId xmlns:a16="http://schemas.microsoft.com/office/drawing/2014/main" id="{122E0585-5BEF-4704-ADA5-F4BD8DA87217}"/>
+              </a:ext>
+            </a:extLst>
+          </p:cNvPr>
+          <p:cNvPicPr>
+            <a:picLocks noChangeAspect="1"/>
+          </p:cNvPicPr>
+          <p:nvPr/>
+        </p:nvPicPr>
+        <p:blipFill>
+          <a:blip r:embed="rId2">
+            <a:extLst>
+              <a:ext uri="{28A0092B-C50C-407E-A947-70E740481C1C}">
+                <a14:useLocalDpi xmlns:a14="http://schemas.microsoft.com/office/drawing/2010/main" val="0"/>
+              </a:ext>
+            </a:extLst>
+          </a:blip>
+          <a:stretch>
+            <a:fillRect/>
+          </a:stretch>
+        </p:blipFill>
+        <p:spPr>
+          <a:xfrm>
+            <a:off x="10243936" y="123913"/>
+            <a:ext cx="1948064" cy="1948064"/>
+          </a:xfrm>
+          <a:prstGeom prst="rect">
+            <a:avLst/>
+          </a:prstGeom>
+        </p:spPr>
+      </p:pic>
     </p:spTree>
     <p:extLst>
       <p:ext uri="{BB962C8B-B14F-4D97-AF65-F5344CB8AC3E}">
@@ -4350,6 +4401,14 @@
 <file path=ppt/slides/slide3.xml><?xml version="1.0" encoding="utf-8"?>
 <p:sld xmlns:a="http://schemas.openxmlformats.org/drawingml/2006/main" xmlns:r="http://schemas.openxmlformats.org/officeDocument/2006/relationships" xmlns:p="http://schemas.openxmlformats.org/presentationml/2006/main">
   <p:cSld>
+    <p:bg>
+      <p:bgPr>
+        <a:solidFill>
+          <a:srgbClr val="404040"/>
+        </a:solidFill>
+        <a:effectLst/>
+      </p:bgPr>
+    </p:bg>
     <p:spTree>
       <p:nvGrpSpPr>
         <p:cNvPr id="1" name=""/>
@@ -4380,23 +4439,44 @@
             <p:ph type="title"/>
           </p:nvPr>
         </p:nvSpPr>
-        <p:spPr/>
+        <p:spPr>
+          <a:xfrm>
+            <a:off x="838200" y="365125"/>
+            <a:ext cx="10515600" cy="1325563"/>
+          </a:xfrm>
+        </p:spPr>
         <p:txBody>
           <a:bodyPr/>
           <a:lstStyle/>
           <a:p>
             <a:r>
-              <a:rPr lang="en-US" b="1" dirty="0"/>
+              <a:rPr lang="en-US" b="1">
+                <a:solidFill>
+                  <a:schemeClr val="bg1"/>
+                </a:solidFill>
+              </a:rPr>
               <a:t>A more in depth look at the data:</a:t>
             </a:r>
             <a:br>
-              <a:rPr lang="en-US" b="1" dirty="0"/>
+              <a:rPr lang="en-US" b="1">
+                <a:solidFill>
+                  <a:schemeClr val="bg1"/>
+                </a:solidFill>
+              </a:rPr>
             </a:br>
             <a:r>
-              <a:rPr lang="en-US" sz="2800" b="1" dirty="0"/>
+              <a:rPr lang="en-US" sz="2800" b="1">
+                <a:solidFill>
+                  <a:schemeClr val="bg1"/>
+                </a:solidFill>
+              </a:rPr>
               <a:t>6 large json files:</a:t>
             </a:r>
-            <a:endParaRPr lang="en-US" b="1" dirty="0"/>
+            <a:endParaRPr lang="en-US" b="1" dirty="0">
+              <a:solidFill>
+                <a:schemeClr val="bg1"/>
+              </a:solidFill>
+            </a:endParaRPr>
           </a:p>
         </p:txBody>
       </p:sp>
@@ -4416,83 +4496,93 @@
             <p:ph idx="1"/>
           </p:nvPr>
         </p:nvSpPr>
-        <p:spPr/>
+        <p:spPr>
+          <a:xfrm>
+            <a:off x="838200" y="1825625"/>
+            <a:ext cx="10515600" cy="4351338"/>
+          </a:xfrm>
+        </p:spPr>
         <p:txBody>
           <a:bodyPr/>
           <a:lstStyle/>
           <a:p>
             <a:r>
-              <a:rPr lang="en-US" dirty="0" err="1"/>
-              <a:t>Business.json</a:t>
-            </a:r>
-            <a:r>
-              <a:rPr lang="en-US" dirty="0"/>
-              <a:t> – contains unique business id, name, geographic data, other classifiers</a:t>
-            </a:r>
-          </a:p>
-          <a:p>
-            <a:r>
-              <a:rPr lang="en-US" dirty="0" err="1"/>
-              <a:t>Review.json</a:t>
-            </a:r>
-            <a:r>
-              <a:rPr lang="en-US" dirty="0"/>
-              <a:t> – contains review information, including user and business id, useful, funny, cool, and stars awarded</a:t>
-            </a:r>
-          </a:p>
-          <a:p>
-            <a:r>
-              <a:rPr lang="en-US" dirty="0" err="1"/>
-              <a:t>User.json</a:t>
-            </a:r>
-            <a:r>
-              <a:rPr lang="en-US" dirty="0"/>
-              <a:t> – contains user id, review count and other review data</a:t>
-            </a:r>
-          </a:p>
-          <a:p>
-            <a:r>
-              <a:rPr lang="en-US" dirty="0" err="1"/>
-              <a:t>Checkin.json</a:t>
-            </a:r>
-            <a:r>
-              <a:rPr lang="en-US" dirty="0"/>
-              <a:t> – contains business ID, reservation date, user ID</a:t>
-            </a:r>
-          </a:p>
-          <a:p>
-            <a:r>
-              <a:rPr lang="en-US" dirty="0" err="1"/>
-              <a:t>Tip.json</a:t>
-            </a:r>
-            <a:r>
-              <a:rPr lang="en-US" dirty="0"/>
-              <a:t> – contains business id, user id, date, and a text field</a:t>
-            </a:r>
-          </a:p>
-          <a:p>
-            <a:r>
-              <a:rPr lang="en-US" dirty="0" err="1"/>
-              <a:t>Photo.json</a:t>
-            </a:r>
-            <a:r>
-              <a:rPr lang="en-US" dirty="0"/>
-              <a:t> – contains business id, photo classification, caption, photo id </a:t>
-            </a:r>
+              <a:rPr lang="en-US">
+                <a:solidFill>
+                  <a:schemeClr val="bg1"/>
+                </a:solidFill>
+              </a:rPr>
+              <a:t>Business.json – contains unique business id, name, geographic data, other classifiers</a:t>
+            </a:r>
+          </a:p>
+          <a:p>
+            <a:r>
+              <a:rPr lang="en-US">
+                <a:solidFill>
+                  <a:schemeClr val="bg1"/>
+                </a:solidFill>
+              </a:rPr>
+              <a:t>Review.json – contains review information, including user and business id, useful, funny, cool, and stars awarded</a:t>
+            </a:r>
+          </a:p>
+          <a:p>
+            <a:r>
+              <a:rPr lang="en-US">
+                <a:solidFill>
+                  <a:schemeClr val="bg1"/>
+                </a:solidFill>
+              </a:rPr>
+              <a:t>User.json – contains user id, review count and other review data</a:t>
+            </a:r>
+          </a:p>
+          <a:p>
+            <a:r>
+              <a:rPr lang="en-US">
+                <a:solidFill>
+                  <a:schemeClr val="bg1"/>
+                </a:solidFill>
+              </a:rPr>
+              <a:t>Checkin.json – contains business ID, reservation date, user ID</a:t>
+            </a:r>
+          </a:p>
+          <a:p>
+            <a:r>
+              <a:rPr lang="en-US">
+                <a:solidFill>
+                  <a:schemeClr val="bg1"/>
+                </a:solidFill>
+              </a:rPr>
+              <a:t>Tip.json – contains business id, user id, date, and a text field</a:t>
+            </a:r>
+          </a:p>
+          <a:p>
+            <a:r>
+              <a:rPr lang="en-US">
+                <a:solidFill>
+                  <a:schemeClr val="bg1"/>
+                </a:solidFill>
+              </a:rPr>
+              <a:t>Photo.json – contains business id, photo classification, caption, photo id </a:t>
+            </a:r>
+            <a:endParaRPr lang="en-US" dirty="0">
+              <a:solidFill>
+                <a:schemeClr val="bg1"/>
+              </a:solidFill>
+            </a:endParaRPr>
           </a:p>
         </p:txBody>
       </p:sp>
       <p:pic>
         <p:nvPicPr>
-          <p:cNvPr id="4" name="Picture 2" descr="Image result for yelp">
-            <a:extLst>
-              <a:ext uri="{FF2B5EF4-FFF2-40B4-BE49-F238E27FC236}">
-                <a16:creationId xmlns:a16="http://schemas.microsoft.com/office/drawing/2014/main" id="{A1DD5CA3-2F88-4FEB-967F-EF6B673FFDFA}"/>
+          <p:cNvPr id="6" name="Picture 5">
+            <a:extLst>
+              <a:ext uri="{FF2B5EF4-FFF2-40B4-BE49-F238E27FC236}">
+                <a16:creationId xmlns:a16="http://schemas.microsoft.com/office/drawing/2014/main" id="{3F8BCA98-B630-4038-835C-205E0BE06B7D}"/>
               </a:ext>
             </a:extLst>
           </p:cNvPr>
           <p:cNvPicPr>
-            <a:picLocks noChangeAspect="1" noChangeArrowheads="1"/>
+            <a:picLocks noChangeAspect="1"/>
           </p:cNvPicPr>
           <p:nvPr/>
         </p:nvPicPr>
@@ -4504,29 +4594,18 @@
               </a:ext>
             </a:extLst>
           </a:blip>
-          <a:srcRect/>
           <a:stretch>
             <a:fillRect/>
           </a:stretch>
         </p:blipFill>
-        <p:spPr bwMode="auto">
+        <p:spPr>
           <a:xfrm>
-            <a:off x="10078252" y="75406"/>
-            <a:ext cx="1905000" cy="1905000"/>
+            <a:off x="10426390" y="145101"/>
+            <a:ext cx="1765610" cy="1765610"/>
           </a:xfrm>
           <a:prstGeom prst="rect">
             <a:avLst/>
           </a:prstGeom>
-          <a:noFill/>
-          <a:extLst>
-            <a:ext uri="{909E8E84-426E-40DD-AFC4-6F175D3DCCD1}">
-              <a14:hiddenFill xmlns:a14="http://schemas.microsoft.com/office/drawing/2010/main">
-                <a:solidFill>
-                  <a:srgbClr val="FFFFFF"/>
-                </a:solidFill>
-              </a14:hiddenFill>
-            </a:ext>
-          </a:extLst>
         </p:spPr>
       </p:pic>
     </p:spTree>
@@ -4545,6 +4624,14 @@
 <file path=ppt/slides/slide4.xml><?xml version="1.0" encoding="utf-8"?>
 <p:sld xmlns:a="http://schemas.openxmlformats.org/drawingml/2006/main" xmlns:r="http://schemas.openxmlformats.org/officeDocument/2006/relationships" xmlns:p="http://schemas.openxmlformats.org/presentationml/2006/main">
   <p:cSld>
+    <p:bg>
+      <p:bgPr>
+        <a:solidFill>
+          <a:srgbClr val="404040"/>
+        </a:solidFill>
+        <a:effectLst/>
+      </p:bgPr>
+    </p:bg>
     <p:spTree>
       <p:nvGrpSpPr>
         <p:cNvPr id="1" name=""/>
@@ -4575,13 +4662,22 @@
             <p:ph type="title"/>
           </p:nvPr>
         </p:nvSpPr>
-        <p:spPr/>
+        <p:spPr>
+          <a:xfrm>
+            <a:off x="838200" y="365125"/>
+            <a:ext cx="10515600" cy="1325563"/>
+          </a:xfrm>
+        </p:spPr>
         <p:txBody>
           <a:bodyPr/>
           <a:lstStyle/>
           <a:p>
             <a:r>
-              <a:rPr lang="en-US" b="1" dirty="0"/>
+              <a:rPr lang="en-US" b="1" dirty="0">
+                <a:solidFill>
+                  <a:schemeClr val="bg1"/>
+                </a:solidFill>
+              </a:rPr>
               <a:t>What we intend to do:</a:t>
             </a:r>
           </a:p>
@@ -4603,31 +4699,52 @@
             <p:ph idx="1"/>
           </p:nvPr>
         </p:nvSpPr>
-        <p:spPr/>
+        <p:spPr>
+          <a:xfrm>
+            <a:off x="838200" y="1825625"/>
+            <a:ext cx="10515600" cy="4351338"/>
+          </a:xfrm>
+        </p:spPr>
         <p:txBody>
           <a:bodyPr/>
           <a:lstStyle/>
           <a:p>
             <a:r>
-              <a:rPr lang="en-US" dirty="0"/>
+              <a:rPr lang="en-US" dirty="0">
+                <a:solidFill>
+                  <a:schemeClr val="bg1"/>
+                </a:solidFill>
+              </a:rPr>
               <a:t>We intend to look for interesting patterns among yelp reviews and their authors. Are funny reviews considered to be more helpful? Do funny reviews usually have low review scores? </a:t>
             </a:r>
           </a:p>
           <a:p>
             <a:r>
-              <a:rPr lang="en-US" dirty="0"/>
+              <a:rPr lang="en-US" dirty="0">
+                <a:solidFill>
+                  <a:schemeClr val="bg1"/>
+                </a:solidFill>
+              </a:rPr>
               <a:t>We also intend to look for relationships between business attributes and the reviews that they receive.</a:t>
             </a:r>
           </a:p>
           <a:p>
             <a:r>
-              <a:rPr lang="en-US" dirty="0"/>
+              <a:rPr lang="en-US" dirty="0">
+                <a:solidFill>
+                  <a:schemeClr val="bg1"/>
+                </a:solidFill>
+              </a:rPr>
               <a:t>We also have date attributes, which may allow us to predict rating based on time of year</a:t>
             </a:r>
           </a:p>
           <a:p>
             <a:r>
-              <a:rPr lang="en-US" dirty="0"/>
+              <a:rPr lang="en-US" dirty="0">
+                <a:solidFill>
+                  <a:schemeClr val="bg1"/>
+                </a:solidFill>
+              </a:rPr>
               <a:t>Open ended exploration. We intend to look at many different relationships in this dataset. </a:t>
             </a:r>
           </a:p>
@@ -4635,15 +4752,15 @@
       </p:sp>
       <p:pic>
         <p:nvPicPr>
-          <p:cNvPr id="4" name="Picture 2" descr="Image result for yelp">
-            <a:extLst>
-              <a:ext uri="{FF2B5EF4-FFF2-40B4-BE49-F238E27FC236}">
-                <a16:creationId xmlns:a16="http://schemas.microsoft.com/office/drawing/2014/main" id="{555A807A-4B14-408B-93A7-92E4E31BC948}"/>
+          <p:cNvPr id="6" name="Picture 5">
+            <a:extLst>
+              <a:ext uri="{FF2B5EF4-FFF2-40B4-BE49-F238E27FC236}">
+                <a16:creationId xmlns:a16="http://schemas.microsoft.com/office/drawing/2014/main" id="{45FABE4C-6F87-4510-910E-7D4DC2ED0CFA}"/>
               </a:ext>
             </a:extLst>
           </p:cNvPr>
           <p:cNvPicPr>
-            <a:picLocks noChangeAspect="1" noChangeArrowheads="1"/>
+            <a:picLocks noChangeAspect="1"/>
           </p:cNvPicPr>
           <p:nvPr/>
         </p:nvPicPr>
@@ -4655,29 +4772,18 @@
               </a:ext>
             </a:extLst>
           </a:blip>
-          <a:srcRect/>
           <a:stretch>
             <a:fillRect/>
           </a:stretch>
         </p:blipFill>
-        <p:spPr bwMode="auto">
+        <p:spPr>
           <a:xfrm>
-            <a:off x="9981999" y="75406"/>
-            <a:ext cx="1905000" cy="1905000"/>
+            <a:off x="10228242" y="117183"/>
+            <a:ext cx="1821445" cy="1821445"/>
           </a:xfrm>
           <a:prstGeom prst="rect">
             <a:avLst/>
           </a:prstGeom>
-          <a:noFill/>
-          <a:extLst>
-            <a:ext uri="{909E8E84-426E-40DD-AFC4-6F175D3DCCD1}">
-              <a14:hiddenFill xmlns:a14="http://schemas.microsoft.com/office/drawing/2010/main">
-                <a:solidFill>
-                  <a:srgbClr val="FFFFFF"/>
-                </a:solidFill>
-              </a14:hiddenFill>
-            </a:ext>
-          </a:extLst>
         </p:spPr>
       </p:pic>
     </p:spTree>
@@ -4696,6 +4802,14 @@
 <file path=ppt/slides/slide5.xml><?xml version="1.0" encoding="utf-8"?>
 <p:sld xmlns:a="http://schemas.openxmlformats.org/drawingml/2006/main" xmlns:r="http://schemas.openxmlformats.org/officeDocument/2006/relationships" xmlns:p="http://schemas.openxmlformats.org/presentationml/2006/main">
   <p:cSld>
+    <p:bg>
+      <p:bgPr>
+        <a:solidFill>
+          <a:srgbClr val="404040"/>
+        </a:solidFill>
+        <a:effectLst/>
+      </p:bgPr>
+    </p:bg>
     <p:spTree>
       <p:nvGrpSpPr>
         <p:cNvPr id="1" name=""/>
@@ -4726,13 +4840,22 @@
             <p:ph type="title"/>
           </p:nvPr>
         </p:nvSpPr>
-        <p:spPr/>
+        <p:spPr>
+          <a:xfrm>
+            <a:off x="838200" y="365125"/>
+            <a:ext cx="10515600" cy="1325563"/>
+          </a:xfrm>
+        </p:spPr>
         <p:txBody>
           <a:bodyPr/>
           <a:lstStyle/>
           <a:p>
             <a:r>
-              <a:rPr lang="en-US" b="1" dirty="0"/>
+              <a:rPr lang="en-US" b="1" dirty="0">
+                <a:solidFill>
+                  <a:schemeClr val="bg1"/>
+                </a:solidFill>
+              </a:rPr>
               <a:t>Prior work</a:t>
             </a:r>
           </a:p>
@@ -4754,38 +4877,67 @@
             <p:ph idx="1"/>
           </p:nvPr>
         </p:nvSpPr>
-        <p:spPr/>
+        <p:spPr>
+          <a:xfrm>
+            <a:off x="838200" y="1825625"/>
+            <a:ext cx="10515600" cy="4351338"/>
+          </a:xfrm>
+        </p:spPr>
         <p:txBody>
           <a:bodyPr/>
           <a:lstStyle/>
           <a:p>
             <a:r>
+              <a:rPr lang="en-US" dirty="0">
+                <a:solidFill>
+                  <a:schemeClr val="bg1"/>
+                </a:solidFill>
+              </a:rPr>
+              <a:t>Prior work by previous contest winners created a category predictor given review text</a:t>
+            </a:r>
+          </a:p>
+          <a:p>
+            <a:r>
+              <a:rPr lang="en-US" dirty="0">
+                <a:solidFill>
+                  <a:schemeClr val="bg1"/>
+                </a:solidFill>
+              </a:rPr>
+              <a:t> A positivity estimator based on review text</a:t>
+            </a:r>
+          </a:p>
+          <a:p>
+            <a:r>
+              <a:rPr lang="en-US" dirty="0">
+                <a:solidFill>
+                  <a:schemeClr val="bg1"/>
+                </a:solidFill>
+              </a:rPr>
+              <a:t> An automatic review generator based on a small initial text such as ‘They have the best’</a:t>
+            </a:r>
+          </a:p>
+          <a:p>
+            <a:r>
+              <a:rPr lang="en-US" dirty="0">
+                <a:solidFill>
+                  <a:schemeClr val="bg1"/>
+                </a:solidFill>
+              </a:rPr>
+              <a:t>A json to csv converter</a:t>
+            </a:r>
+          </a:p>
+          <a:p>
+            <a:r>
+              <a:rPr lang="en-US" dirty="0">
+                <a:solidFill>
+                  <a:schemeClr val="bg1"/>
+                </a:solidFill>
+              </a:rPr>
+              <a:t>Prior work can be found here:</a:t>
+            </a:r>
+            <a:r>
               <a:rPr lang="en-US" dirty="0"/>
-              <a:t>Prior work by previous contest winners created a category predictor given review text</a:t>
-            </a:r>
-          </a:p>
-          <a:p>
-            <a:r>
-              <a:rPr lang="en-US" dirty="0"/>
-              <a:t> A positivity estimator based on review text</a:t>
-            </a:r>
-          </a:p>
-          <a:p>
-            <a:r>
-              <a:rPr lang="en-US" dirty="0"/>
-              <a:t> An automatic review generator based on a small initial text such as ‘They have the best’</a:t>
-            </a:r>
-          </a:p>
-          <a:p>
-            <a:r>
-              <a:rPr lang="en-US" dirty="0"/>
-              <a:t>A json to csv converter</a:t>
-            </a:r>
-          </a:p>
-          <a:p>
-            <a:r>
-              <a:rPr lang="en-US" dirty="0"/>
-              <a:t>Prior work can be found here: </a:t>
+              <a:t> </a:t>
             </a:r>
             <a:r>
               <a:rPr lang="en-US" dirty="0">
@@ -4799,10 +4951,46 @@
       </p:sp>
       <p:pic>
         <p:nvPicPr>
-          <p:cNvPr id="4" name="Picture 2" descr="Image result for yelp">
-            <a:extLst>
-              <a:ext uri="{FF2B5EF4-FFF2-40B4-BE49-F238E27FC236}">
-                <a16:creationId xmlns:a16="http://schemas.microsoft.com/office/drawing/2014/main" id="{27A91C3E-D122-4015-B3EE-D4E9BFF1EB34}"/>
+          <p:cNvPr id="6" name="Picture 5">
+            <a:extLst>
+              <a:ext uri="{FF2B5EF4-FFF2-40B4-BE49-F238E27FC236}">
+                <a16:creationId xmlns:a16="http://schemas.microsoft.com/office/drawing/2014/main" id="{E0A5569D-4B26-4516-BDC1-F54F0384CB5B}"/>
+              </a:ext>
+            </a:extLst>
+          </p:cNvPr>
+          <p:cNvPicPr>
+            <a:picLocks noChangeAspect="1"/>
+          </p:cNvPicPr>
+          <p:nvPr/>
+        </p:nvPicPr>
+        <p:blipFill>
+          <a:blip r:embed="rId3">
+            <a:extLst>
+              <a:ext uri="{28A0092B-C50C-407E-A947-70E740481C1C}">
+                <a14:useLocalDpi xmlns:a14="http://schemas.microsoft.com/office/drawing/2010/main" val="0"/>
+              </a:ext>
+            </a:extLst>
+          </a:blip>
+          <a:stretch>
+            <a:fillRect/>
+          </a:stretch>
+        </p:blipFill>
+        <p:spPr>
+          <a:xfrm>
+            <a:off x="10515600" y="79936"/>
+            <a:ext cx="1779414" cy="1779414"/>
+          </a:xfrm>
+          <a:prstGeom prst="rect">
+            <a:avLst/>
+          </a:prstGeom>
+        </p:spPr>
+      </p:pic>
+      <p:pic>
+        <p:nvPicPr>
+          <p:cNvPr id="8" name="Picture 6" descr="Image result for yelp png transparent">
+            <a:extLst>
+              <a:ext uri="{FF2B5EF4-FFF2-40B4-BE49-F238E27FC236}">
+                <a16:creationId xmlns:a16="http://schemas.microsoft.com/office/drawing/2014/main" id="{286F5427-F979-4FEF-8968-C9415F33F2AC}"/>
               </a:ext>
             </a:extLst>
           </p:cNvPr>
@@ -4812,7 +5000,17 @@
           <p:nvPr/>
         </p:nvPicPr>
         <p:blipFill>
-          <a:blip r:embed="rId3">
+          <a:blip r:embed="rId4">
+            <a:clrChange>
+              <a:clrFrom>
+                <a:srgbClr val="F7F7F7"/>
+              </a:clrFrom>
+              <a:clrTo>
+                <a:srgbClr val="F7F7F7">
+                  <a:alpha val="0"/>
+                </a:srgbClr>
+              </a:clrTo>
+            </a:clrChange>
             <a:extLst>
               <a:ext uri="{28A0092B-C50C-407E-A947-70E740481C1C}">
                 <a14:useLocalDpi xmlns:a14="http://schemas.microsoft.com/office/drawing/2010/main" val="0"/>
@@ -4826,55 +5024,8 @@
         </p:blipFill>
         <p:spPr bwMode="auto">
           <a:xfrm>
-            <a:off x="9981999" y="75406"/>
-            <a:ext cx="1905000" cy="1905000"/>
-          </a:xfrm>
-          <a:prstGeom prst="rect">
-            <a:avLst/>
-          </a:prstGeom>
-          <a:noFill/>
-          <a:extLst>
-            <a:ext uri="{909E8E84-426E-40DD-AFC4-6F175D3DCCD1}">
-              <a14:hiddenFill xmlns:a14="http://schemas.microsoft.com/office/drawing/2010/main">
-                <a:solidFill>
-                  <a:srgbClr val="FFFFFF"/>
-                </a:solidFill>
-              </a14:hiddenFill>
-            </a:ext>
-          </a:extLst>
-        </p:spPr>
-      </p:pic>
-      <p:pic>
-        <p:nvPicPr>
-          <p:cNvPr id="5122" name="Picture 2" descr="Image result for yelp">
-            <a:extLst>
-              <a:ext uri="{FF2B5EF4-FFF2-40B4-BE49-F238E27FC236}">
-                <a16:creationId xmlns:a16="http://schemas.microsoft.com/office/drawing/2014/main" id="{194CDAA0-D1FB-46B6-9FB5-955263963235}"/>
-              </a:ext>
-            </a:extLst>
-          </p:cNvPr>
-          <p:cNvPicPr>
-            <a:picLocks noChangeAspect="1" noChangeArrowheads="1"/>
-          </p:cNvPicPr>
-          <p:nvPr/>
-        </p:nvPicPr>
-        <p:blipFill>
-          <a:blip r:embed="rId4">
-            <a:extLst>
-              <a:ext uri="{28A0092B-C50C-407E-A947-70E740481C1C}">
-                <a14:useLocalDpi xmlns:a14="http://schemas.microsoft.com/office/drawing/2010/main" val="0"/>
-              </a:ext>
-            </a:extLst>
-          </a:blip>
-          <a:srcRect/>
-          <a:stretch>
-            <a:fillRect/>
-          </a:stretch>
-        </p:blipFill>
-        <p:spPr bwMode="auto">
-          <a:xfrm>
-            <a:off x="305001" y="5629275"/>
-            <a:ext cx="4181475" cy="1095375"/>
+            <a:off x="3584938" y="5387975"/>
+            <a:ext cx="4133850" cy="1104900"/>
           </a:xfrm>
           <a:prstGeom prst="rect">
             <a:avLst/>
@@ -4907,6 +5058,14 @@
 <file path=ppt/slides/slide6.xml><?xml version="1.0" encoding="utf-8"?>
 <p:sld xmlns:a="http://schemas.openxmlformats.org/drawingml/2006/main" xmlns:r="http://schemas.openxmlformats.org/officeDocument/2006/relationships" xmlns:p="http://schemas.openxmlformats.org/presentationml/2006/main">
   <p:cSld>
+    <p:bg>
+      <p:bgPr>
+        <a:solidFill>
+          <a:srgbClr val="404040"/>
+        </a:solidFill>
+        <a:effectLst/>
+      </p:bgPr>
+    </p:bg>
     <p:spTree>
       <p:nvGrpSpPr>
         <p:cNvPr id="1" name=""/>
@@ -4943,7 +5102,11 @@
           <a:lstStyle/>
           <a:p>
             <a:r>
-              <a:rPr lang="en-US" dirty="0"/>
+              <a:rPr lang="en-US" dirty="0">
+                <a:solidFill>
+                  <a:schemeClr val="bg1"/>
+                </a:solidFill>
+              </a:rPr>
               <a:t>Next Steps:</a:t>
             </a:r>
           </a:p>
@@ -4971,13 +5134,21 @@
           <a:lstStyle/>
           <a:p>
             <a:r>
-              <a:rPr lang="en-US" dirty="0"/>
+              <a:rPr lang="en-US" dirty="0">
+                <a:solidFill>
+                  <a:schemeClr val="bg1"/>
+                </a:solidFill>
+              </a:rPr>
               <a:t>Data cleaning/integration: one of our json files is not importing correctly in our python environment. This happens to be the business table, which contains many important attributes. We currently believe that the problem exists only in one attribute, so we may just try to remove the single attribute if we need to. If this problem persists, there are still many relations to evaluate.</a:t>
             </a:r>
           </a:p>
           <a:p>
             <a:r>
-              <a:rPr lang="en-US" dirty="0"/>
+              <a:rPr lang="en-US" dirty="0">
+                <a:solidFill>
+                  <a:schemeClr val="bg1"/>
+                </a:solidFill>
+              </a:rPr>
               <a:t>Data has currently been mostly preprocessed into csv files to make importuning them into pandas easier, though we may later decide to import them into an SQL environment if that proves to be faster</a:t>
             </a:r>
           </a:p>
@@ -4988,15 +5159,15 @@
       </p:sp>
       <p:pic>
         <p:nvPicPr>
-          <p:cNvPr id="4" name="Picture 2" descr="Image result for yelp">
-            <a:extLst>
-              <a:ext uri="{FF2B5EF4-FFF2-40B4-BE49-F238E27FC236}">
-                <a16:creationId xmlns:a16="http://schemas.microsoft.com/office/drawing/2014/main" id="{EBD85D90-60CD-4509-8881-3A32EAED1398}"/>
+          <p:cNvPr id="7" name="Picture 6">
+            <a:extLst>
+              <a:ext uri="{FF2B5EF4-FFF2-40B4-BE49-F238E27FC236}">
+                <a16:creationId xmlns:a16="http://schemas.microsoft.com/office/drawing/2014/main" id="{C0D0B7B2-F876-4CCE-854D-9172BFB4A130}"/>
               </a:ext>
             </a:extLst>
           </p:cNvPr>
           <p:cNvPicPr>
-            <a:picLocks noChangeAspect="1" noChangeArrowheads="1"/>
+            <a:picLocks noChangeAspect="1"/>
           </p:cNvPicPr>
           <p:nvPr/>
         </p:nvPicPr>
@@ -5008,42 +5179,31 @@
               </a:ext>
             </a:extLst>
           </a:blip>
-          <a:srcRect/>
           <a:stretch>
             <a:fillRect/>
           </a:stretch>
         </p:blipFill>
-        <p:spPr bwMode="auto">
+        <p:spPr>
           <a:xfrm>
-            <a:off x="9981999" y="75406"/>
-            <a:ext cx="1905000" cy="1905000"/>
+            <a:off x="10419226" y="161711"/>
+            <a:ext cx="1663914" cy="1663914"/>
           </a:xfrm>
           <a:prstGeom prst="rect">
             <a:avLst/>
           </a:prstGeom>
-          <a:noFill/>
-          <a:extLst>
-            <a:ext uri="{909E8E84-426E-40DD-AFC4-6F175D3DCCD1}">
-              <a14:hiddenFill xmlns:a14="http://schemas.microsoft.com/office/drawing/2010/main">
-                <a:solidFill>
-                  <a:srgbClr val="FFFFFF"/>
-                </a:solidFill>
-              </a14:hiddenFill>
-            </a:ext>
-          </a:extLst>
         </p:spPr>
       </p:pic>
       <p:pic>
         <p:nvPicPr>
-          <p:cNvPr id="5" name="Picture 2" descr="Image result for yelp">
-            <a:extLst>
-              <a:ext uri="{FF2B5EF4-FFF2-40B4-BE49-F238E27FC236}">
-                <a16:creationId xmlns:a16="http://schemas.microsoft.com/office/drawing/2014/main" id="{066D3B82-1E64-4AED-9C26-7FB89C686F55}"/>
+          <p:cNvPr id="9" name="Picture 8">
+            <a:extLst>
+              <a:ext uri="{FF2B5EF4-FFF2-40B4-BE49-F238E27FC236}">
+                <a16:creationId xmlns:a16="http://schemas.microsoft.com/office/drawing/2014/main" id="{91B33D93-F030-42F5-B757-59B488E15D70}"/>
               </a:ext>
             </a:extLst>
           </p:cNvPr>
           <p:cNvPicPr>
-            <a:picLocks noChangeAspect="1" noChangeArrowheads="1"/>
+            <a:picLocks noChangeAspect="1"/>
           </p:cNvPicPr>
           <p:nvPr/>
         </p:nvPicPr>
@@ -5055,29 +5215,18 @@
               </a:ext>
             </a:extLst>
           </a:blip>
-          <a:srcRect/>
           <a:stretch>
             <a:fillRect/>
           </a:stretch>
         </p:blipFill>
-        <p:spPr bwMode="auto">
+        <p:spPr>
           <a:xfrm>
-            <a:off x="5862" y="5410200"/>
-            <a:ext cx="1447800" cy="1447800"/>
+            <a:off x="-80713" y="5118410"/>
+            <a:ext cx="1639229" cy="1639229"/>
           </a:xfrm>
           <a:prstGeom prst="rect">
             <a:avLst/>
           </a:prstGeom>
-          <a:noFill/>
-          <a:extLst>
-            <a:ext uri="{909E8E84-426E-40DD-AFC4-6F175D3DCCD1}">
-              <a14:hiddenFill xmlns:a14="http://schemas.microsoft.com/office/drawing/2010/main">
-                <a:solidFill>
-                  <a:srgbClr val="FFFFFF"/>
-                </a:solidFill>
-              </a14:hiddenFill>
-            </a:ext>
-          </a:extLst>
         </p:spPr>
       </p:pic>
     </p:spTree>
@@ -5394,8 +5543,8 @@
         </p:blipFill>
         <p:spPr bwMode="auto">
           <a:xfrm>
-            <a:off x="6750141" y="-2"/>
-            <a:ext cx="5441859" cy="5654940"/>
+            <a:off x="6850109" y="-2"/>
+            <a:ext cx="5341890" cy="5551057"/>
           </a:xfrm>
           <a:custGeom>
             <a:avLst/>

--- a/pp_slides_for_part_1/Exploring the Yelp Dataset.pptx
+++ b/pp_slides_for_part_1/Exploring the Yelp Dataset.pptx
@@ -110,6 +110,11 @@
       </a:defRPr>
     </a:lvl9pPr>
   </p:defaultTextStyle>
+  <p:extLst>
+    <p:ext uri="{EFAFB233-063F-42B5-8137-9DF3F51BA10A}">
+      <p15:sldGuideLst xmlns:p15="http://schemas.microsoft.com/office/powerpoint/2012/main"/>
+    </p:ext>
+  </p:extLst>
 </p:presentation>
 </file>
 
@@ -260,7 +265,7 @@
           <a:p>
             <a:fld id="{EBD81C53-0597-4E72-BB79-BE1CB78F10E3}" type="datetimeFigureOut">
               <a:rPr lang="en-US" smtClean="0"/>
-              <a:t>10/11/2019</a:t>
+              <a:t>10/11/19</a:t>
             </a:fld>
             <a:endParaRPr lang="en-US"/>
           </a:p>
@@ -458,7 +463,7 @@
           <a:p>
             <a:fld id="{EBD81C53-0597-4E72-BB79-BE1CB78F10E3}" type="datetimeFigureOut">
               <a:rPr lang="en-US" smtClean="0"/>
-              <a:t>10/11/2019</a:t>
+              <a:t>10/11/19</a:t>
             </a:fld>
             <a:endParaRPr lang="en-US"/>
           </a:p>
@@ -666,7 +671,7 @@
           <a:p>
             <a:fld id="{EBD81C53-0597-4E72-BB79-BE1CB78F10E3}" type="datetimeFigureOut">
               <a:rPr lang="en-US" smtClean="0"/>
-              <a:t>10/11/2019</a:t>
+              <a:t>10/11/19</a:t>
             </a:fld>
             <a:endParaRPr lang="en-US"/>
           </a:p>
@@ -864,7 +869,7 @@
           <a:p>
             <a:fld id="{EBD81C53-0597-4E72-BB79-BE1CB78F10E3}" type="datetimeFigureOut">
               <a:rPr lang="en-US" smtClean="0"/>
-              <a:t>10/11/2019</a:t>
+              <a:t>10/11/19</a:t>
             </a:fld>
             <a:endParaRPr lang="en-US"/>
           </a:p>
@@ -1139,7 +1144,7 @@
           <a:p>
             <a:fld id="{EBD81C53-0597-4E72-BB79-BE1CB78F10E3}" type="datetimeFigureOut">
               <a:rPr lang="en-US" smtClean="0"/>
-              <a:t>10/11/2019</a:t>
+              <a:t>10/11/19</a:t>
             </a:fld>
             <a:endParaRPr lang="en-US"/>
           </a:p>
@@ -1404,7 +1409,7 @@
           <a:p>
             <a:fld id="{EBD81C53-0597-4E72-BB79-BE1CB78F10E3}" type="datetimeFigureOut">
               <a:rPr lang="en-US" smtClean="0"/>
-              <a:t>10/11/2019</a:t>
+              <a:t>10/11/19</a:t>
             </a:fld>
             <a:endParaRPr lang="en-US"/>
           </a:p>
@@ -1816,7 +1821,7 @@
           <a:p>
             <a:fld id="{EBD81C53-0597-4E72-BB79-BE1CB78F10E3}" type="datetimeFigureOut">
               <a:rPr lang="en-US" smtClean="0"/>
-              <a:t>10/11/2019</a:t>
+              <a:t>10/11/19</a:t>
             </a:fld>
             <a:endParaRPr lang="en-US"/>
           </a:p>
@@ -1957,7 +1962,7 @@
           <a:p>
             <a:fld id="{EBD81C53-0597-4E72-BB79-BE1CB78F10E3}" type="datetimeFigureOut">
               <a:rPr lang="en-US" smtClean="0"/>
-              <a:t>10/11/2019</a:t>
+              <a:t>10/11/19</a:t>
             </a:fld>
             <a:endParaRPr lang="en-US"/>
           </a:p>
@@ -2070,7 +2075,7 @@
           <a:p>
             <a:fld id="{EBD81C53-0597-4E72-BB79-BE1CB78F10E3}" type="datetimeFigureOut">
               <a:rPr lang="en-US" smtClean="0"/>
-              <a:t>10/11/2019</a:t>
+              <a:t>10/11/19</a:t>
             </a:fld>
             <a:endParaRPr lang="en-US"/>
           </a:p>
@@ -2381,7 +2386,7 @@
           <a:p>
             <a:fld id="{EBD81C53-0597-4E72-BB79-BE1CB78F10E3}" type="datetimeFigureOut">
               <a:rPr lang="en-US" smtClean="0"/>
-              <a:t>10/11/2019</a:t>
+              <a:t>10/11/19</a:t>
             </a:fld>
             <a:endParaRPr lang="en-US"/>
           </a:p>
@@ -2669,7 +2674,7 @@
           <a:p>
             <a:fld id="{EBD81C53-0597-4E72-BB79-BE1CB78F10E3}" type="datetimeFigureOut">
               <a:rPr lang="en-US" smtClean="0"/>
-              <a:t>10/11/2019</a:t>
+              <a:t>10/11/19</a:t>
             </a:fld>
             <a:endParaRPr lang="en-US"/>
           </a:p>
@@ -2910,7 +2915,7 @@
           <a:p>
             <a:fld id="{EBD81C53-0597-4E72-BB79-BE1CB78F10E3}" type="datetimeFigureOut">
               <a:rPr lang="en-US" smtClean="0"/>
-              <a:t>10/11/2019</a:t>
+              <a:t>10/11/19</a:t>
             </a:fld>
             <a:endParaRPr lang="en-US"/>
           </a:p>
@@ -4706,7 +4711,9 @@
           </a:xfrm>
         </p:spPr>
         <p:txBody>
-          <a:bodyPr/>
+          <a:bodyPr>
+            <a:normAutofit fontScale="92500" lnSpcReduction="10000"/>
+          </a:bodyPr>
           <a:lstStyle/>
           <a:p>
             <a:r>
@@ -4735,7 +4742,7 @@
                   <a:schemeClr val="bg1"/>
                 </a:solidFill>
               </a:rPr>
-              <a:t>We also have date attributes, which may allow us to predict rating based on time of year</a:t>
+              <a:t>We also have date attributes, which may allow us to predict rating based on time of year.</a:t>
             </a:r>
           </a:p>
           <a:p>
@@ -4746,6 +4753,16 @@
                 </a:solidFill>
               </a:rPr>
               <a:t>Open ended exploration. We intend to look at many different relationships in this dataset. </a:t>
+            </a:r>
+          </a:p>
+          <a:p>
+            <a:r>
+              <a:rPr lang="en-US" dirty="0">
+                <a:solidFill>
+                  <a:schemeClr val="bg1"/>
+                </a:solidFill>
+              </a:rPr>
+              <a:t>We might combine external variables such as weather data or health of the economy to view correlations with review volume or sentiment.</a:t>
             </a:r>
           </a:p>
         </p:txBody>
